--- a/To Docker or Not to Docker A Security Perspective.pptx
+++ b/To Docker or Not to Docker A Security Perspective.pptx
@@ -5,7 +5,7 @@
     <p:sldMasterId id="2147483672" r:id="rId1"/>
   </p:sldMasterIdLst>
   <p:notesMasterIdLst>
-    <p:notesMasterId r:id="rId24"/>
+    <p:notesMasterId r:id="rId25"/>
   </p:notesMasterIdLst>
   <p:sldIdLst>
     <p:sldId id="256" r:id="rId2"/>
@@ -30,6 +30,7 @@
     <p:sldId id="277" r:id="rId21"/>
     <p:sldId id="278" r:id="rId22"/>
     <p:sldId id="279" r:id="rId23"/>
+    <p:sldId id="281" r:id="rId24"/>
   </p:sldIdLst>
   <p:sldSz cx="12192000" cy="6858000"/>
   <p:notesSz cx="6858000" cy="9144000"/>
@@ -128,6 +129,11 @@
       </a:defRPr>
     </a:lvl9pPr>
   </p:defaultTextStyle>
+  <p:extLst>
+    <p:ext uri="{EFAFB233-063F-42B5-8137-9DF3F51BA10A}">
+      <p15:sldGuideLst xmlns:p15="http://schemas.microsoft.com/office/powerpoint/2012/main"/>
+    </p:ext>
+  </p:extLst>
 </p:presentation>
 </file>
 
@@ -3534,7 +3540,7 @@
         <p:spPr>
           <a:xfrm>
             <a:off x="1400907" y="4866271"/>
-            <a:ext cx="2621230" cy="369332"/>
+            <a:ext cx="3134191" cy="369332"/>
           </a:xfrm>
           <a:prstGeom prst="rect">
             <a:avLst/>
@@ -3551,7 +3557,28 @@
                 <a:effectLst/>
                 <a:latin typeface="Arial" panose="020B0604020202020204" pitchFamily="34" charset="0"/>
               </a:rPr>
-              <a:t>IEEE Cloud Computing</a:t>
+              <a:t>IEEE Cloud </a:t>
+            </a:r>
+            <a:r>
+              <a:rPr lang="en-US" altLang="zh-CN" b="0" i="0" dirty="0" smtClean="0">
+                <a:effectLst/>
+                <a:latin typeface="Arial" panose="020B0604020202020204" pitchFamily="34" charset="0"/>
+              </a:rPr>
+              <a:t>Computing</a:t>
+            </a:r>
+            <a:r>
+              <a:rPr lang="zh-CN" altLang="en-US" b="0" i="0" dirty="0" smtClean="0">
+                <a:effectLst/>
+                <a:latin typeface="Arial" panose="020B0604020202020204" pitchFamily="34" charset="0"/>
+              </a:rPr>
+              <a:t> </a:t>
+            </a:r>
+            <a:r>
+              <a:rPr lang="en-US" altLang="zh-CN" b="0" i="0" dirty="0" smtClean="0">
+                <a:effectLst/>
+                <a:latin typeface="Arial" panose="020B0604020202020204" pitchFamily="34" charset="0"/>
+              </a:rPr>
+              <a:t>2016</a:t>
             </a:r>
             <a:endParaRPr lang="zh-CN" altLang="en-US" dirty="0"/>
           </a:p>
@@ -3764,6 +3791,13 @@
   <p:clrMapOvr>
     <a:masterClrMapping/>
   </p:clrMapOvr>
+  <p:timing>
+    <p:tnLst>
+      <p:par>
+        <p:cTn id="1" dur="indefinite" restart="never" nodeType="tmRoot"/>
+      </p:par>
+    </p:tnLst>
+  </p:timing>
 </p:sld>
 </file>
 
@@ -3949,6 +3983,13 @@
   <p:clrMapOvr>
     <a:masterClrMapping/>
   </p:clrMapOvr>
+  <p:timing>
+    <p:tnLst>
+      <p:par>
+        <p:cTn id="1" dur="indefinite" restart="never" nodeType="tmRoot"/>
+      </p:par>
+    </p:tnLst>
+  </p:timing>
 </p:sld>
 </file>
 
@@ -4088,6 +4129,13 @@
   <p:clrMapOvr>
     <a:masterClrMapping/>
   </p:clrMapOvr>
+  <p:timing>
+    <p:tnLst>
+      <p:par>
+        <p:cTn id="1" dur="indefinite" restart="never" nodeType="tmRoot"/>
+      </p:par>
+    </p:tnLst>
+  </p:timing>
 </p:sld>
 </file>
 
@@ -4211,6 +4259,13 @@
   <p:clrMapOvr>
     <a:masterClrMapping/>
   </p:clrMapOvr>
+  <p:timing>
+    <p:tnLst>
+      <p:par>
+        <p:cTn id="1" dur="indefinite" restart="never" nodeType="tmRoot"/>
+      </p:par>
+    </p:tnLst>
+  </p:timing>
 </p:sld>
 </file>
 
@@ -4578,6 +4633,13 @@
   <p:clrMapOvr>
     <a:masterClrMapping/>
   </p:clrMapOvr>
+  <p:timing>
+    <p:tnLst>
+      <p:par>
+        <p:cTn id="1" dur="indefinite" restart="never" nodeType="tmRoot"/>
+      </p:par>
+    </p:tnLst>
+  </p:timing>
 </p:sld>
 </file>
 
@@ -4735,6 +4797,13 @@
   <p:clrMapOvr>
     <a:masterClrMapping/>
   </p:clrMapOvr>
+  <p:timing>
+    <p:tnLst>
+      <p:par>
+        <p:cTn id="1" dur="indefinite" restart="never" nodeType="tmRoot"/>
+      </p:par>
+    </p:tnLst>
+  </p:timing>
 </p:sld>
 </file>
 
@@ -4932,6 +5001,13 @@
   <p:clrMapOvr>
     <a:masterClrMapping/>
   </p:clrMapOvr>
+  <p:timing>
+    <p:tnLst>
+      <p:par>
+        <p:cTn id="1" dur="indefinite" restart="never" nodeType="tmRoot"/>
+      </p:par>
+    </p:tnLst>
+  </p:timing>
 </p:sld>
 </file>
 
@@ -5220,6 +5296,13 @@
   <p:clrMapOvr>
     <a:masterClrMapping/>
   </p:clrMapOvr>
+  <p:timing>
+    <p:tnLst>
+      <p:par>
+        <p:cTn id="1" dur="indefinite" restart="never" nodeType="tmRoot"/>
+      </p:par>
+    </p:tnLst>
+  </p:timing>
 </p:sld>
 </file>
 
@@ -5556,6 +5639,13 @@
   <p:clrMapOvr>
     <a:masterClrMapping/>
   </p:clrMapOvr>
+  <p:timing>
+    <p:tnLst>
+      <p:par>
+        <p:cTn id="1" dur="indefinite" restart="never" nodeType="tmRoot"/>
+      </p:par>
+    </p:tnLst>
+  </p:timing>
 </p:sld>
 </file>
 
@@ -5778,6 +5868,13 @@
   <p:clrMapOvr>
     <a:masterClrMapping/>
   </p:clrMapOvr>
+  <p:timing>
+    <p:tnLst>
+      <p:par>
+        <p:cTn id="1" dur="indefinite" restart="never" nodeType="tmRoot"/>
+      </p:par>
+    </p:tnLst>
+  </p:timing>
 </p:sld>
 </file>
 
@@ -5936,9 +6033,28 @@
             </a:r>
             <a:r>
               <a:rPr lang="en-US" altLang="zh-CN" dirty="0"/>
-              <a:t>distribution vulnerabilities</a:t>
-            </a:r>
-            <a:endParaRPr lang="zh-CN" altLang="en-US" dirty="0"/>
+              <a:t>distribution </a:t>
+            </a:r>
+            <a:r>
+              <a:rPr lang="en-US" altLang="zh-CN" dirty="0" smtClean="0"/>
+              <a:t>vulnerabilities</a:t>
+            </a:r>
+          </a:p>
+          <a:p>
+            <a:pPr lvl="1"/>
+            <a:r>
+              <a:rPr lang="en-US" altLang="zh-CN" dirty="0" smtClean="0"/>
+              <a:t>Compromising </a:t>
+            </a:r>
+            <a:r>
+              <a:rPr lang="en-US" altLang="zh-CN" dirty="0"/>
+              <a:t>a code </a:t>
+            </a:r>
+            <a:r>
+              <a:rPr lang="en-US" altLang="zh-CN" dirty="0" smtClean="0"/>
+              <a:t>repository</a:t>
+            </a:r>
+            <a:endParaRPr lang="en-US" altLang="zh-CN" dirty="0"/>
           </a:p>
         </p:txBody>
       </p:sp>
@@ -5952,6 +6068,101 @@
   <p:clrMapOvr>
     <a:masterClrMapping/>
   </p:clrMapOvr>
+  <p:timing>
+    <p:tnLst>
+      <p:par>
+        <p:cTn id="1" dur="indefinite" restart="never" nodeType="tmRoot"/>
+      </p:par>
+    </p:tnLst>
+  </p:timing>
+</p:sld>
+</file>
+
+<file path=ppt/slides/slide23.xml><?xml version="1.0" encoding="utf-8"?>
+<p:sld xmlns:a="http://schemas.openxmlformats.org/drawingml/2006/main" xmlns:r="http://schemas.openxmlformats.org/officeDocument/2006/relationships" xmlns:p="http://schemas.openxmlformats.org/presentationml/2006/main">
+  <p:cSld>
+    <p:spTree>
+      <p:nvGrpSpPr>
+        <p:cNvPr id="1" name=""/>
+        <p:cNvGrpSpPr/>
+        <p:nvPr/>
+      </p:nvGrpSpPr>
+      <p:grpSpPr>
+        <a:xfrm>
+          <a:off x="0" y="0"/>
+          <a:ext cx="0" cy="0"/>
+          <a:chOff x="0" y="0"/>
+          <a:chExt cx="0" cy="0"/>
+        </a:xfrm>
+      </p:grpSpPr>
+      <p:sp>
+        <p:nvSpPr>
+          <p:cNvPr id="2" name="标题 1"/>
+          <p:cNvSpPr>
+            <a:spLocks noGrp="1"/>
+          </p:cNvSpPr>
+          <p:nvPr>
+            <p:ph type="title"/>
+          </p:nvPr>
+        </p:nvSpPr>
+        <p:spPr>
+          <a:xfrm>
+            <a:off x="521523" y="2589425"/>
+            <a:ext cx="10515600" cy="1325563"/>
+          </a:xfrm>
+        </p:spPr>
+        <p:txBody>
+          <a:bodyPr/>
+          <a:lstStyle/>
+          <a:p>
+            <a:r>
+              <a:rPr lang="en-US" altLang="zh-CN" dirty="0" smtClean="0"/>
+              <a:t>Thanks</a:t>
+            </a:r>
+            <a:r>
+              <a:rPr lang="zh-CN" altLang="en-US" dirty="0" smtClean="0"/>
+              <a:t> </a:t>
+            </a:r>
+            <a:r>
+              <a:rPr lang="en-US" altLang="zh-CN" dirty="0" smtClean="0"/>
+              <a:t>for</a:t>
+            </a:r>
+            <a:r>
+              <a:rPr lang="zh-CN" altLang="en-US" dirty="0" smtClean="0"/>
+              <a:t> </a:t>
+            </a:r>
+            <a:r>
+              <a:rPr lang="en-US" altLang="zh-CN" dirty="0" smtClean="0"/>
+              <a:t>listening </a:t>
+            </a:r>
+            <a:br>
+              <a:rPr lang="en-US" altLang="zh-CN" dirty="0" smtClean="0"/>
+            </a:br>
+            <a:r>
+              <a:rPr lang="en-US" altLang="zh-CN" dirty="0" smtClean="0"/>
+              <a:t>Q&amp;A</a:t>
+            </a:r>
+            <a:endParaRPr lang="zh-CN" altLang="en-US" dirty="0"/>
+          </a:p>
+        </p:txBody>
+      </p:sp>
+    </p:spTree>
+    <p:extLst>
+      <p:ext uri="{BB962C8B-B14F-4D97-AF65-F5344CB8AC3E}">
+        <p14:creationId xmlns:p14="http://schemas.microsoft.com/office/powerpoint/2010/main" val="721158950"/>
+      </p:ext>
+    </p:extLst>
+  </p:cSld>
+  <p:clrMapOvr>
+    <a:masterClrMapping/>
+  </p:clrMapOvr>
+  <p:timing>
+    <p:tnLst>
+      <p:par>
+        <p:cTn id="1" dur="indefinite" restart="never" nodeType="tmRoot"/>
+      </p:par>
+    </p:tnLst>
+  </p:timing>
 </p:sld>
 </file>
 

--- a/To Docker or Not to Docker A Security Perspective.pptx
+++ b/To Docker or Not to Docker A Security Perspective.pptx
@@ -219,7 +219,7 @@
           <a:p>
             <a:fld id="{A6C2BB40-AAE0-43EE-B054-94785257CFD2}" type="datetimeFigureOut">
               <a:rPr lang="zh-CN" altLang="en-US" smtClean="0"/>
-              <a:t>2019/5/26</a:t>
+              <a:t>2019/5/27</a:t>
             </a:fld>
             <a:endParaRPr lang="zh-CN" altLang="en-US"/>
           </a:p>
@@ -702,7 +702,7 @@
           <a:p>
             <a:fld id="{611F325E-E348-4823-9799-8C314C04A6C8}" type="datetimeFigureOut">
               <a:rPr lang="zh-CN" altLang="en-US" smtClean="0"/>
-              <a:t>2019/5/26</a:t>
+              <a:t>2019/5/27</a:t>
             </a:fld>
             <a:endParaRPr lang="zh-CN" altLang="en-US"/>
           </a:p>
@@ -872,7 +872,7 @@
           <a:p>
             <a:fld id="{611F325E-E348-4823-9799-8C314C04A6C8}" type="datetimeFigureOut">
               <a:rPr lang="zh-CN" altLang="en-US" smtClean="0"/>
-              <a:t>2019/5/26</a:t>
+              <a:t>2019/5/27</a:t>
             </a:fld>
             <a:endParaRPr lang="zh-CN" altLang="en-US"/>
           </a:p>
@@ -1052,7 +1052,7 @@
           <a:p>
             <a:fld id="{611F325E-E348-4823-9799-8C314C04A6C8}" type="datetimeFigureOut">
               <a:rPr lang="zh-CN" altLang="en-US" smtClean="0"/>
-              <a:t>2019/5/26</a:t>
+              <a:t>2019/5/27</a:t>
             </a:fld>
             <a:endParaRPr lang="zh-CN" altLang="en-US"/>
           </a:p>
@@ -1222,7 +1222,7 @@
           <a:p>
             <a:fld id="{611F325E-E348-4823-9799-8C314C04A6C8}" type="datetimeFigureOut">
               <a:rPr lang="zh-CN" altLang="en-US" smtClean="0"/>
-              <a:t>2019/5/26</a:t>
+              <a:t>2019/5/27</a:t>
             </a:fld>
             <a:endParaRPr lang="zh-CN" altLang="en-US"/>
           </a:p>
@@ -1468,7 +1468,7 @@
           <a:p>
             <a:fld id="{611F325E-E348-4823-9799-8C314C04A6C8}" type="datetimeFigureOut">
               <a:rPr lang="zh-CN" altLang="en-US" smtClean="0"/>
-              <a:t>2019/5/26</a:t>
+              <a:t>2019/5/27</a:t>
             </a:fld>
             <a:endParaRPr lang="zh-CN" altLang="en-US"/>
           </a:p>
@@ -1700,7 +1700,7 @@
           <a:p>
             <a:fld id="{611F325E-E348-4823-9799-8C314C04A6C8}" type="datetimeFigureOut">
               <a:rPr lang="zh-CN" altLang="en-US" smtClean="0"/>
-              <a:t>2019/5/26</a:t>
+              <a:t>2019/5/27</a:t>
             </a:fld>
             <a:endParaRPr lang="zh-CN" altLang="en-US"/>
           </a:p>
@@ -2067,7 +2067,7 @@
           <a:p>
             <a:fld id="{611F325E-E348-4823-9799-8C314C04A6C8}" type="datetimeFigureOut">
               <a:rPr lang="zh-CN" altLang="en-US" smtClean="0"/>
-              <a:t>2019/5/26</a:t>
+              <a:t>2019/5/27</a:t>
             </a:fld>
             <a:endParaRPr lang="zh-CN" altLang="en-US"/>
           </a:p>
@@ -2185,7 +2185,7 @@
           <a:p>
             <a:fld id="{611F325E-E348-4823-9799-8C314C04A6C8}" type="datetimeFigureOut">
               <a:rPr lang="zh-CN" altLang="en-US" smtClean="0"/>
-              <a:t>2019/5/26</a:t>
+              <a:t>2019/5/27</a:t>
             </a:fld>
             <a:endParaRPr lang="zh-CN" altLang="en-US"/>
           </a:p>
@@ -2280,7 +2280,7 @@
           <a:p>
             <a:fld id="{611F325E-E348-4823-9799-8C314C04A6C8}" type="datetimeFigureOut">
               <a:rPr lang="zh-CN" altLang="en-US" smtClean="0"/>
-              <a:t>2019/5/26</a:t>
+              <a:t>2019/5/27</a:t>
             </a:fld>
             <a:endParaRPr lang="zh-CN" altLang="en-US"/>
           </a:p>
@@ -2557,7 +2557,7 @@
           <a:p>
             <a:fld id="{611F325E-E348-4823-9799-8C314C04A6C8}" type="datetimeFigureOut">
               <a:rPr lang="zh-CN" altLang="en-US" smtClean="0"/>
-              <a:t>2019/5/26</a:t>
+              <a:t>2019/5/27</a:t>
             </a:fld>
             <a:endParaRPr lang="zh-CN" altLang="en-US"/>
           </a:p>
@@ -2814,7 +2814,7 @@
           <a:p>
             <a:fld id="{611F325E-E348-4823-9799-8C314C04A6C8}" type="datetimeFigureOut">
               <a:rPr lang="zh-CN" altLang="en-US" smtClean="0"/>
-              <a:t>2019/5/26</a:t>
+              <a:t>2019/5/27</a:t>
             </a:fld>
             <a:endParaRPr lang="zh-CN" altLang="en-US"/>
           </a:p>
@@ -3027,7 +3027,7 @@
           <a:p>
             <a:fld id="{611F325E-E348-4823-9799-8C314C04A6C8}" type="datetimeFigureOut">
               <a:rPr lang="zh-CN" altLang="en-US" smtClean="0"/>
-              <a:t>2019/5/26</a:t>
+              <a:t>2019/5/27</a:t>
             </a:fld>
             <a:endParaRPr lang="zh-CN" altLang="en-US"/>
           </a:p>
@@ -3557,14 +3557,7 @@
                 <a:effectLst/>
                 <a:latin typeface="Arial" panose="020B0604020202020204" pitchFamily="34" charset="0"/>
               </a:rPr>
-              <a:t>IEEE Cloud </a:t>
-            </a:r>
-            <a:r>
-              <a:rPr lang="en-US" altLang="zh-CN" b="0" i="0" dirty="0" smtClean="0">
-                <a:effectLst/>
-                <a:latin typeface="Arial" panose="020B0604020202020204" pitchFamily="34" charset="0"/>
-              </a:rPr>
-              <a:t>Computing</a:t>
+              <a:t>IEEE Cloud Computing</a:t>
             </a:r>
             <a:r>
               <a:rPr lang="zh-CN" altLang="en-US" b="0" i="0" dirty="0" smtClean="0">
@@ -4455,8 +4448,12 @@
           <a:lstStyle/>
           <a:p>
             <a:r>
-              <a:rPr lang="en-US" altLang="zh-CN" dirty="0"/>
-              <a:t>Docker containers rely exclusively on Linux </a:t>
+              <a:rPr lang="en-US" altLang="zh-CN" dirty="0" smtClean="0"/>
+              <a:t>Rely on </a:t>
+            </a:r>
+            <a:r>
+              <a:rPr lang="en-US" altLang="zh-CN" dirty="0"/>
+              <a:t>Linux </a:t>
             </a:r>
             <a:r>
               <a:rPr lang="en-US" altLang="zh-CN" dirty="0" smtClean="0"/>
@@ -4552,16 +4549,12 @@
           </a:p>
           <a:p>
             <a:r>
-              <a:rPr lang="en-US" altLang="zh-CN" dirty="0"/>
-              <a:t>A</a:t>
-            </a:r>
-            <a:r>
-              <a:rPr lang="en-US" altLang="zh-CN" dirty="0" smtClean="0"/>
-              <a:t>ll </a:t>
-            </a:r>
-            <a:r>
-              <a:rPr lang="en-US" altLang="zh-CN" dirty="0"/>
-              <a:t>containers share </a:t>
+              <a:rPr lang="en-US" altLang="zh-CN" dirty="0" smtClean="0"/>
+              <a:t>S</a:t>
+            </a:r>
+            <a:r>
+              <a:rPr lang="en-US" altLang="zh-CN" dirty="0" smtClean="0"/>
+              <a:t>hare </a:t>
             </a:r>
             <a:r>
               <a:rPr lang="en-US" altLang="zh-CN" dirty="0" smtClean="0"/>
@@ -5040,7 +5033,7 @@
         </p:nvSpPr>
         <p:spPr>
           <a:xfrm>
-            <a:off x="577362" y="2039604"/>
+            <a:off x="505517" y="2908284"/>
             <a:ext cx="10515600" cy="1325563"/>
           </a:xfrm>
         </p:spPr>
@@ -5053,71 +5046,6 @@
               <a:t>Docker Usages: Security Challenges</a:t>
             </a:r>
             <a:endParaRPr lang="zh-CN" altLang="en-US" dirty="0"/>
-          </a:p>
-        </p:txBody>
-      </p:sp>
-      <p:sp>
-        <p:nvSpPr>
-          <p:cNvPr id="3" name="矩形 2"/>
-          <p:cNvSpPr/>
-          <p:nvPr/>
-        </p:nvSpPr>
-        <p:spPr>
-          <a:xfrm>
-            <a:off x="1359877" y="3365167"/>
-            <a:ext cx="6096000" cy="1384995"/>
-          </a:xfrm>
-          <a:prstGeom prst="rect">
-            <a:avLst/>
-          </a:prstGeom>
-        </p:spPr>
-        <p:txBody>
-          <a:bodyPr>
-            <a:spAutoFit/>
-          </a:bodyPr>
-          <a:lstStyle/>
-          <a:p>
-            <a:pPr marL="285750" indent="-285750">
-              <a:buFont typeface="Arial" panose="020B0604020202020204" pitchFamily="34" charset="0"/>
-              <a:buChar char="•"/>
-            </a:pPr>
-            <a:r>
-              <a:rPr lang="en-US" altLang="zh-CN" sz="2800" dirty="0" smtClean="0">
-                <a:latin typeface="Calibri Light" panose="020F0302020204030204" pitchFamily="34" charset="0"/>
-                <a:cs typeface="Calibri Light" panose="020F0302020204030204" pitchFamily="34" charset="0"/>
-              </a:rPr>
-              <a:t>Isolation of processes</a:t>
-            </a:r>
-          </a:p>
-          <a:p>
-            <a:pPr marL="285750" indent="-285750">
-              <a:buFont typeface="Arial" panose="020B0604020202020204" pitchFamily="34" charset="0"/>
-              <a:buChar char="•"/>
-            </a:pPr>
-            <a:r>
-              <a:rPr lang="en-US" altLang="zh-CN" sz="2800" dirty="0" smtClean="0">
-                <a:latin typeface="Calibri Light" panose="020F0302020204030204" pitchFamily="34" charset="0"/>
-                <a:cs typeface="Calibri Light" panose="020F0302020204030204" pitchFamily="34" charset="0"/>
-              </a:rPr>
-              <a:t>Enforcement of this isolation</a:t>
-            </a:r>
-          </a:p>
-          <a:p>
-            <a:pPr marL="285750" indent="-285750">
-              <a:buFont typeface="Arial" panose="020B0604020202020204" pitchFamily="34" charset="0"/>
-              <a:buChar char="•"/>
-            </a:pPr>
-            <a:r>
-              <a:rPr lang="en-US" altLang="zh-CN" sz="2800" dirty="0" smtClean="0">
-                <a:latin typeface="Calibri Light" panose="020F0302020204030204" pitchFamily="34" charset="0"/>
-                <a:cs typeface="Calibri Light" panose="020F0302020204030204" pitchFamily="34" charset="0"/>
-              </a:rPr>
-              <a:t>Network operations security</a:t>
-            </a:r>
-            <a:endParaRPr lang="zh-CN" altLang="en-US" sz="2800" dirty="0">
-              <a:latin typeface="Calibri Light" panose="020F0302020204030204" pitchFamily="34" charset="0"/>
-              <a:cs typeface="Calibri Light" panose="020F0302020204030204" pitchFamily="34" charset="0"/>
-            </a:endParaRPr>
           </a:p>
         </p:txBody>
       </p:sp>
@@ -5519,10 +5447,7 @@
               <a:rPr lang="en-US" altLang="zh-CN" dirty="0"/>
               <a:t>directly target the production machines. </a:t>
             </a:r>
-            <a:r>
-              <a:rPr lang="en-US" altLang="zh-CN" dirty="0" smtClean="0"/>
-              <a:t>Locally or remotely.</a:t>
-            </a:r>
+            <a:endParaRPr lang="en-US" altLang="zh-CN" dirty="0" smtClean="0"/>
           </a:p>
           <a:p>
             <a:pPr marL="0" indent="0">
@@ -6000,21 +5925,6 @@
             <a:pPr lvl="1"/>
             <a:r>
               <a:rPr lang="en-US" altLang="zh-CN" dirty="0" smtClean="0"/>
-              <a:t>Mandatory </a:t>
-            </a:r>
-            <a:r>
-              <a:rPr lang="en-US" altLang="zh-CN" dirty="0"/>
-              <a:t>access control have room for </a:t>
-            </a:r>
-            <a:r>
-              <a:rPr lang="en-US" altLang="zh-CN" dirty="0" smtClean="0"/>
-              <a:t>improvement</a:t>
-            </a:r>
-          </a:p>
-          <a:p>
-            <a:pPr lvl="1"/>
-            <a:r>
-              <a:rPr lang="en-US" altLang="zh-CN" dirty="0" smtClean="0"/>
               <a:t>Gives </a:t>
             </a:r>
             <a:r>
@@ -6023,36 +5933,17 @@
             </a:r>
             <a:r>
               <a:rPr lang="en-US" altLang="zh-CN" dirty="0" smtClean="0"/>
-              <a:t>complete access in default</a:t>
-            </a:r>
-          </a:p>
-          <a:p>
-            <a:r>
-              <a:rPr lang="en-US" altLang="zh-CN" dirty="0" smtClean="0"/>
-              <a:t>Image </a:t>
-            </a:r>
-            <a:r>
-              <a:rPr lang="en-US" altLang="zh-CN" dirty="0"/>
-              <a:t>distribution </a:t>
-            </a:r>
-            <a:r>
-              <a:rPr lang="en-US" altLang="zh-CN" dirty="0" smtClean="0"/>
-              <a:t>vulnerabilities</a:t>
-            </a:r>
-          </a:p>
-          <a:p>
-            <a:pPr lvl="1"/>
-            <a:r>
-              <a:rPr lang="en-US" altLang="zh-CN" dirty="0" smtClean="0"/>
-              <a:t>Compromising </a:t>
-            </a:r>
-            <a:r>
-              <a:rPr lang="en-US" altLang="zh-CN" dirty="0"/>
-              <a:t>a code </a:t>
-            </a:r>
-            <a:r>
-              <a:rPr lang="en-US" altLang="zh-CN" dirty="0" smtClean="0"/>
-              <a:t>repository</a:t>
+              <a:t>complete access in </a:t>
+            </a:r>
+            <a:r>
+              <a:rPr lang="en-US" altLang="zh-CN" dirty="0" smtClean="0"/>
+              <a:t>default</a:t>
+            </a:r>
+          </a:p>
+          <a:p>
+            <a:r>
+              <a:rPr lang="en-US" altLang="zh-CN" dirty="0" smtClean="0"/>
+              <a:t>Image distribution vulnerabilities and so on</a:t>
             </a:r>
             <a:endParaRPr lang="en-US" altLang="zh-CN" dirty="0"/>
           </a:p>
@@ -6133,7 +6024,11 @@
             </a:r>
             <a:r>
               <a:rPr lang="en-US" altLang="zh-CN" dirty="0" smtClean="0"/>
-              <a:t>listening </a:t>
+              <a:t>listening! </a:t>
+            </a:r>
+            <a:r>
+              <a:rPr lang="en-US" altLang="zh-CN" dirty="0" smtClean="0"/>
+              <a:t/>
             </a:r>
             <a:br>
               <a:rPr lang="en-US" altLang="zh-CN" dirty="0" smtClean="0"/>
@@ -6719,9 +6614,80 @@
   <p:timing>
     <p:tnLst>
       <p:par>
-        <p:cTn id="1" dur="indefinite" restart="never" nodeType="tmRoot"/>
+        <p:cTn id="1" dur="indefinite" restart="never" nodeType="tmRoot">
+          <p:childTnLst>
+            <p:seq concurrent="1" nextAc="seek">
+              <p:cTn id="2" dur="indefinite" nodeType="mainSeq">
+                <p:childTnLst>
+                  <p:par>
+                    <p:cTn id="3" fill="hold">
+                      <p:stCondLst>
+                        <p:cond delay="indefinite"/>
+                      </p:stCondLst>
+                      <p:childTnLst>
+                        <p:par>
+                          <p:cTn id="4" fill="hold">
+                            <p:stCondLst>
+                              <p:cond delay="0"/>
+                            </p:stCondLst>
+                            <p:childTnLst>
+                              <p:par>
+                                <p:cTn id="5" presetID="1" presetClass="entr" presetSubtype="0" fill="hold" grpId="0" nodeType="clickEffect">
+                                  <p:stCondLst>
+                                    <p:cond delay="0"/>
+                                  </p:stCondLst>
+                                  <p:childTnLst>
+                                    <p:set>
+                                      <p:cBhvr>
+                                        <p:cTn id="6" dur="1" fill="hold">
+                                          <p:stCondLst>
+                                            <p:cond delay="0"/>
+                                          </p:stCondLst>
+                                        </p:cTn>
+                                        <p:tgtEl>
+                                          <p:spTgt spid="5"/>
+                                        </p:tgtEl>
+                                        <p:attrNameLst>
+                                          <p:attrName>style.visibility</p:attrName>
+                                        </p:attrNameLst>
+                                      </p:cBhvr>
+                                      <p:to>
+                                        <p:strVal val="visible"/>
+                                      </p:to>
+                                    </p:set>
+                                  </p:childTnLst>
+                                </p:cTn>
+                              </p:par>
+                            </p:childTnLst>
+                          </p:cTn>
+                        </p:par>
+                      </p:childTnLst>
+                    </p:cTn>
+                  </p:par>
+                </p:childTnLst>
+              </p:cTn>
+              <p:prevCondLst>
+                <p:cond evt="onPrev" delay="0">
+                  <p:tgtEl>
+                    <p:sldTgt/>
+                  </p:tgtEl>
+                </p:cond>
+              </p:prevCondLst>
+              <p:nextCondLst>
+                <p:cond evt="onNext" delay="0">
+                  <p:tgtEl>
+                    <p:sldTgt/>
+                  </p:tgtEl>
+                </p:cond>
+              </p:nextCondLst>
+            </p:seq>
+          </p:childTnLst>
+        </p:cTn>
       </p:par>
     </p:tnLst>
+    <p:bldLst>
+      <p:bldP spid="5" grpId="0" animBg="1"/>
+    </p:bldLst>
   </p:timing>
 </p:sld>
 </file>
@@ -7060,7 +7026,14 @@
                 <a:latin typeface="Calibri Light" panose="020F0302020204030204" pitchFamily="34" charset="0"/>
                 <a:cs typeface="Calibri Light" panose="020F0302020204030204" pitchFamily="34" charset="0"/>
               </a:rPr>
-              <a:t> execution </a:t>
+              <a:t> </a:t>
+            </a:r>
+            <a:r>
+              <a:rPr lang="en-US" altLang="zh-CN" sz="2400" dirty="0" smtClean="0">
+                <a:latin typeface="Calibri Light" panose="020F0302020204030204" pitchFamily="34" charset="0"/>
+                <a:cs typeface="Calibri Light" panose="020F0302020204030204" pitchFamily="34" charset="0"/>
+              </a:rPr>
+              <a:t>execution path </a:t>
             </a:r>
             <a:endParaRPr lang="en-US" altLang="zh-CN" sz="2400" dirty="0" smtClean="0">
               <a:latin typeface="Calibri Light" panose="020F0302020204030204" pitchFamily="34" charset="0"/>

--- a/To Docker or Not to Docker A Security Perspective.pptx
+++ b/To Docker or Not to Docker A Security Perspective.pptx
@@ -4550,15 +4550,7 @@
           <a:p>
             <a:r>
               <a:rPr lang="en-US" altLang="zh-CN" dirty="0" smtClean="0"/>
-              <a:t>S</a:t>
-            </a:r>
-            <a:r>
-              <a:rPr lang="en-US" altLang="zh-CN" dirty="0" smtClean="0"/>
-              <a:t>hare </a:t>
-            </a:r>
-            <a:r>
-              <a:rPr lang="en-US" altLang="zh-CN" dirty="0" smtClean="0"/>
-              <a:t>the same </a:t>
+              <a:t>Share the same </a:t>
             </a:r>
             <a:r>
               <a:rPr lang="en-US" altLang="zh-CN" dirty="0"/>
@@ -5933,11 +5925,7 @@
             </a:r>
             <a:r>
               <a:rPr lang="en-US" altLang="zh-CN" dirty="0" smtClean="0"/>
-              <a:t>complete access in </a:t>
-            </a:r>
-            <a:r>
-              <a:rPr lang="en-US" altLang="zh-CN" dirty="0" smtClean="0"/>
-              <a:t>default</a:t>
+              <a:t>complete access in default</a:t>
             </a:r>
           </a:p>
           <a:p>
@@ -6025,10 +6013,6 @@
             <a:r>
               <a:rPr lang="en-US" altLang="zh-CN" dirty="0" smtClean="0"/>
               <a:t>listening! </a:t>
-            </a:r>
-            <a:r>
-              <a:rPr lang="en-US" altLang="zh-CN" dirty="0" smtClean="0"/>
-              <a:t/>
             </a:r>
             <a:br>
               <a:rPr lang="en-US" altLang="zh-CN" dirty="0" smtClean="0"/>
@@ -7035,10 +7019,6 @@
               </a:rPr>
               <a:t>execution path </a:t>
             </a:r>
-            <a:endParaRPr lang="en-US" altLang="zh-CN" sz="2400" dirty="0" smtClean="0">
-              <a:latin typeface="Calibri Light" panose="020F0302020204030204" pitchFamily="34" charset="0"/>
-              <a:cs typeface="Calibri Light" panose="020F0302020204030204" pitchFamily="34" charset="0"/>
-            </a:endParaRPr>
           </a:p>
           <a:p>
             <a:r>
@@ -7113,6 +7093,43 @@
             <a:endParaRPr lang="zh-CN" altLang="en-US" sz="2400" dirty="0">
               <a:latin typeface="Calibri Light" panose="020F0302020204030204" pitchFamily="34" charset="0"/>
               <a:cs typeface="Calibri Light" panose="020F0302020204030204" pitchFamily="34" charset="0"/>
+            </a:endParaRPr>
+          </a:p>
+        </p:txBody>
+      </p:sp>
+      <p:sp>
+        <p:nvSpPr>
+          <p:cNvPr id="2" name="矩形 1"/>
+          <p:cNvSpPr/>
+          <p:nvPr/>
+        </p:nvSpPr>
+        <p:spPr>
+          <a:xfrm>
+            <a:off x="752840" y="502626"/>
+            <a:ext cx="2572627" cy="769441"/>
+          </a:xfrm>
+          <a:prstGeom prst="rect">
+            <a:avLst/>
+          </a:prstGeom>
+        </p:spPr>
+        <p:txBody>
+          <a:bodyPr wrap="none">
+            <a:spAutoFit/>
+          </a:bodyPr>
+          <a:lstStyle/>
+          <a:p>
+            <a:r>
+              <a:rPr lang="en-US" altLang="zh-CN" sz="4400" dirty="0" smtClean="0">
+                <a:latin typeface="+mj-lt"/>
+                <a:ea typeface="+mj-ea"/>
+                <a:cs typeface="+mj-cs"/>
+              </a:rPr>
+              <a:t>Advantage</a:t>
+            </a:r>
+            <a:endParaRPr lang="zh-CN" altLang="en-US" sz="4400" dirty="0">
+              <a:latin typeface="+mj-lt"/>
+              <a:ea typeface="+mj-ea"/>
+              <a:cs typeface="+mj-cs"/>
             </a:endParaRPr>
           </a:p>
         </p:txBody>

--- a/To Docker or Not to Docker A Security Perspective.pptx
+++ b/To Docker or Not to Docker A Security Perspective.pptx
@@ -488,6 +488,258 @@
 </file>
 
 <file path=ppt/notesSlides/notesSlide1.xml><?xml version="1.0" encoding="utf-8"?>
+<p:notes xmlns:a="http://schemas.openxmlformats.org/drawingml/2006/main" xmlns:r="http://schemas.openxmlformats.org/officeDocument/2006/relationships" xmlns:p="http://schemas.openxmlformats.org/presentationml/2006/main">
+  <p:cSld>
+    <p:spTree>
+      <p:nvGrpSpPr>
+        <p:cNvPr id="1" name=""/>
+        <p:cNvGrpSpPr/>
+        <p:nvPr/>
+      </p:nvGrpSpPr>
+      <p:grpSpPr>
+        <a:xfrm>
+          <a:off x="0" y="0"/>
+          <a:ext cx="0" cy="0"/>
+          <a:chOff x="0" y="0"/>
+          <a:chExt cx="0" cy="0"/>
+        </a:xfrm>
+      </p:grpSpPr>
+      <p:sp>
+        <p:nvSpPr>
+          <p:cNvPr id="2" name="幻灯片图像占位符 1"/>
+          <p:cNvSpPr>
+            <a:spLocks noGrp="1" noRot="1" noChangeAspect="1"/>
+          </p:cNvSpPr>
+          <p:nvPr>
+            <p:ph type="sldImg"/>
+          </p:nvPr>
+        </p:nvSpPr>
+        <p:spPr/>
+      </p:sp>
+      <p:sp>
+        <p:nvSpPr>
+          <p:cNvPr id="3" name="备注占位符 2"/>
+          <p:cNvSpPr>
+            <a:spLocks noGrp="1"/>
+          </p:cNvSpPr>
+          <p:nvPr>
+            <p:ph type="body" idx="1"/>
+          </p:nvPr>
+        </p:nvSpPr>
+        <p:spPr/>
+        <p:txBody>
+          <a:bodyPr/>
+          <a:lstStyle/>
+          <a:p>
+            <a:endParaRPr lang="zh-CN" altLang="en-US" dirty="0"/>
+          </a:p>
+        </p:txBody>
+      </p:sp>
+      <p:sp>
+        <p:nvSpPr>
+          <p:cNvPr id="4" name="灯片编号占位符 3"/>
+          <p:cNvSpPr>
+            <a:spLocks noGrp="1"/>
+          </p:cNvSpPr>
+          <p:nvPr>
+            <p:ph type="sldNum" sz="quarter" idx="10"/>
+          </p:nvPr>
+        </p:nvSpPr>
+        <p:spPr/>
+        <p:txBody>
+          <a:bodyPr/>
+          <a:lstStyle/>
+          <a:p>
+            <a:fld id="{55D0BFC2-897E-4518-9496-F17DFE45C7D1}" type="slidenum">
+              <a:rPr lang="zh-CN" altLang="en-US" smtClean="0"/>
+              <a:t>1</a:t>
+            </a:fld>
+            <a:endParaRPr lang="zh-CN" altLang="en-US"/>
+          </a:p>
+        </p:txBody>
+      </p:sp>
+    </p:spTree>
+    <p:extLst>
+      <p:ext uri="{BB962C8B-B14F-4D97-AF65-F5344CB8AC3E}">
+        <p14:creationId xmlns:p14="http://schemas.microsoft.com/office/powerpoint/2010/main" val="2137945038"/>
+      </p:ext>
+    </p:extLst>
+  </p:cSld>
+  <p:clrMapOvr>
+    <a:masterClrMapping/>
+  </p:clrMapOvr>
+</p:notes>
+</file>
+
+<file path=ppt/notesSlides/notesSlide2.xml><?xml version="1.0" encoding="utf-8"?>
+<p:notes xmlns:a="http://schemas.openxmlformats.org/drawingml/2006/main" xmlns:r="http://schemas.openxmlformats.org/officeDocument/2006/relationships" xmlns:p="http://schemas.openxmlformats.org/presentationml/2006/main">
+  <p:cSld>
+    <p:spTree>
+      <p:nvGrpSpPr>
+        <p:cNvPr id="1" name=""/>
+        <p:cNvGrpSpPr/>
+        <p:nvPr/>
+      </p:nvGrpSpPr>
+      <p:grpSpPr>
+        <a:xfrm>
+          <a:off x="0" y="0"/>
+          <a:ext cx="0" cy="0"/>
+          <a:chOff x="0" y="0"/>
+          <a:chExt cx="0" cy="0"/>
+        </a:xfrm>
+      </p:grpSpPr>
+      <p:sp>
+        <p:nvSpPr>
+          <p:cNvPr id="2" name="幻灯片图像占位符 1"/>
+          <p:cNvSpPr>
+            <a:spLocks noGrp="1" noRot="1" noChangeAspect="1"/>
+          </p:cNvSpPr>
+          <p:nvPr>
+            <p:ph type="sldImg"/>
+          </p:nvPr>
+        </p:nvSpPr>
+        <p:spPr/>
+      </p:sp>
+      <p:sp>
+        <p:nvSpPr>
+          <p:cNvPr id="3" name="备注占位符 2"/>
+          <p:cNvSpPr>
+            <a:spLocks noGrp="1"/>
+          </p:cNvSpPr>
+          <p:nvPr>
+            <p:ph type="body" idx="1"/>
+          </p:nvPr>
+        </p:nvSpPr>
+        <p:spPr/>
+        <p:txBody>
+          <a:bodyPr/>
+          <a:lstStyle/>
+          <a:p>
+            <a:endParaRPr lang="zh-CN" altLang="en-US" dirty="0"/>
+          </a:p>
+        </p:txBody>
+      </p:sp>
+      <p:sp>
+        <p:nvSpPr>
+          <p:cNvPr id="4" name="灯片编号占位符 3"/>
+          <p:cNvSpPr>
+            <a:spLocks noGrp="1"/>
+          </p:cNvSpPr>
+          <p:nvPr>
+            <p:ph type="sldNum" sz="quarter" idx="10"/>
+          </p:nvPr>
+        </p:nvSpPr>
+        <p:spPr/>
+        <p:txBody>
+          <a:bodyPr/>
+          <a:lstStyle/>
+          <a:p>
+            <a:fld id="{55D0BFC2-897E-4518-9496-F17DFE45C7D1}" type="slidenum">
+              <a:rPr lang="zh-CN" altLang="en-US" smtClean="0"/>
+              <a:t>4</a:t>
+            </a:fld>
+            <a:endParaRPr lang="zh-CN" altLang="en-US"/>
+          </a:p>
+        </p:txBody>
+      </p:sp>
+    </p:spTree>
+    <p:extLst>
+      <p:ext uri="{BB962C8B-B14F-4D97-AF65-F5344CB8AC3E}">
+        <p14:creationId xmlns:p14="http://schemas.microsoft.com/office/powerpoint/2010/main" val="941393844"/>
+      </p:ext>
+    </p:extLst>
+  </p:cSld>
+  <p:clrMapOvr>
+    <a:masterClrMapping/>
+  </p:clrMapOvr>
+</p:notes>
+</file>
+
+<file path=ppt/notesSlides/notesSlide3.xml><?xml version="1.0" encoding="utf-8"?>
+<p:notes xmlns:a="http://schemas.openxmlformats.org/drawingml/2006/main" xmlns:r="http://schemas.openxmlformats.org/officeDocument/2006/relationships" xmlns:p="http://schemas.openxmlformats.org/presentationml/2006/main">
+  <p:cSld>
+    <p:spTree>
+      <p:nvGrpSpPr>
+        <p:cNvPr id="1" name=""/>
+        <p:cNvGrpSpPr/>
+        <p:nvPr/>
+      </p:nvGrpSpPr>
+      <p:grpSpPr>
+        <a:xfrm>
+          <a:off x="0" y="0"/>
+          <a:ext cx="0" cy="0"/>
+          <a:chOff x="0" y="0"/>
+          <a:chExt cx="0" cy="0"/>
+        </a:xfrm>
+      </p:grpSpPr>
+      <p:sp>
+        <p:nvSpPr>
+          <p:cNvPr id="2" name="幻灯片图像占位符 1"/>
+          <p:cNvSpPr>
+            <a:spLocks noGrp="1" noRot="1" noChangeAspect="1"/>
+          </p:cNvSpPr>
+          <p:nvPr>
+            <p:ph type="sldImg"/>
+          </p:nvPr>
+        </p:nvSpPr>
+        <p:spPr/>
+      </p:sp>
+      <p:sp>
+        <p:nvSpPr>
+          <p:cNvPr id="3" name="备注占位符 2"/>
+          <p:cNvSpPr>
+            <a:spLocks noGrp="1"/>
+          </p:cNvSpPr>
+          <p:nvPr>
+            <p:ph type="body" idx="1"/>
+          </p:nvPr>
+        </p:nvSpPr>
+        <p:spPr/>
+        <p:txBody>
+          <a:bodyPr/>
+          <a:lstStyle/>
+          <a:p>
+            <a:endParaRPr lang="zh-CN" altLang="en-US" dirty="0"/>
+          </a:p>
+        </p:txBody>
+      </p:sp>
+      <p:sp>
+        <p:nvSpPr>
+          <p:cNvPr id="4" name="灯片编号占位符 3"/>
+          <p:cNvSpPr>
+            <a:spLocks noGrp="1"/>
+          </p:cNvSpPr>
+          <p:nvPr>
+            <p:ph type="sldNum" sz="quarter" idx="10"/>
+          </p:nvPr>
+        </p:nvSpPr>
+        <p:spPr/>
+        <p:txBody>
+          <a:bodyPr/>
+          <a:lstStyle/>
+          <a:p>
+            <a:fld id="{55D0BFC2-897E-4518-9496-F17DFE45C7D1}" type="slidenum">
+              <a:rPr lang="zh-CN" altLang="en-US" smtClean="0"/>
+              <a:t>20</a:t>
+            </a:fld>
+            <a:endParaRPr lang="zh-CN" altLang="en-US"/>
+          </a:p>
+        </p:txBody>
+      </p:sp>
+    </p:spTree>
+    <p:extLst>
+      <p:ext uri="{BB962C8B-B14F-4D97-AF65-F5344CB8AC3E}">
+        <p14:creationId xmlns:p14="http://schemas.microsoft.com/office/powerpoint/2010/main" val="1043852448"/>
+      </p:ext>
+    </p:extLst>
+  </p:cSld>
+  <p:clrMapOvr>
+    <a:masterClrMapping/>
+  </p:clrMapOvr>
+</p:notes>
+</file>
+
+<file path=ppt/notesSlides/notesSlide4.xml><?xml version="1.0" encoding="utf-8"?>
 <p:notes xmlns:a="http://schemas.openxmlformats.org/drawingml/2006/main" xmlns:r="http://schemas.openxmlformats.org/officeDocument/2006/relationships" xmlns:p="http://schemas.openxmlformats.org/presentationml/2006/main">
   <p:cSld>
     <p:spTree>
@@ -6139,7 +6391,7 @@
         </p:nvSpPr>
         <p:spPr>
           <a:xfrm>
-            <a:off x="736600" y="708024"/>
+            <a:off x="736600" y="807084"/>
             <a:ext cx="10515600" cy="5591175"/>
           </a:xfrm>
         </p:spPr>
@@ -6151,14 +6403,9 @@
           <a:p>
             <a:r>
               <a:rPr lang="en-US" altLang="zh-CN" dirty="0" smtClean="0"/>
-              <a:t>Cloud Computing &amp; Virtualization</a:t>
-            </a:r>
-          </a:p>
-          <a:p>
-            <a:r>
-              <a:rPr lang="en-US" altLang="zh-CN" dirty="0" smtClean="0"/>
               <a:t>Containers</a:t>
             </a:r>
+            <a:endParaRPr lang="en-US" altLang="zh-CN" dirty="0" smtClean="0"/>
           </a:p>
           <a:p>
             <a:pPr lvl="1"/>
